--- a/Microsoft.pptx
+++ b/Microsoft.pptx
@@ -15,8 +15,7 @@
     <p:sldId id="267" r:id="rId9"/>
     <p:sldId id="268" r:id="rId10"/>
     <p:sldId id="257" r:id="rId11"/>
-    <p:sldId id="258" r:id="rId12"/>
-    <p:sldId id="259" r:id="rId13"/>
+    <p:sldId id="259" r:id="rId12"/>
   </p:sldIdLst>
   <p:sldSz cx="12192000" cy="6858000"/>
   <p:notesSz cx="6858000" cy="9144000"/>
@@ -349,7 +348,7 @@
           <a:p>
             <a:fld id="{EA04F24A-984E-49E1-A489-BBAA7BA39510}" type="datetimeFigureOut">
               <a:rPr lang="hu-HU" smtClean="0"/>
-              <a:t>2022.09.13.</a:t>
+              <a:t>2022.09.15.</a:t>
             </a:fld>
             <a:endParaRPr lang="hu-HU"/>
           </a:p>
@@ -557,7 +556,7 @@
           <a:p>
             <a:fld id="{EA04F24A-984E-49E1-A489-BBAA7BA39510}" type="datetimeFigureOut">
               <a:rPr lang="hu-HU" smtClean="0"/>
-              <a:t>2022.09.13.</a:t>
+              <a:t>2022.09.15.</a:t>
             </a:fld>
             <a:endParaRPr lang="hu-HU"/>
           </a:p>
@@ -813,7 +812,7 @@
           <a:p>
             <a:fld id="{EA04F24A-984E-49E1-A489-BBAA7BA39510}" type="datetimeFigureOut">
               <a:rPr lang="hu-HU" smtClean="0"/>
-              <a:t>2022.09.13.</a:t>
+              <a:t>2022.09.15.</a:t>
             </a:fld>
             <a:endParaRPr lang="hu-HU"/>
           </a:p>
@@ -987,7 +986,7 @@
           <a:p>
             <a:fld id="{EA04F24A-984E-49E1-A489-BBAA7BA39510}" type="datetimeFigureOut">
               <a:rPr lang="hu-HU" smtClean="0"/>
-              <a:t>2022.09.13.</a:t>
+              <a:t>2022.09.15.</a:t>
             </a:fld>
             <a:endParaRPr lang="hu-HU"/>
           </a:p>
@@ -1322,7 +1321,7 @@
           <a:p>
             <a:fld id="{EA04F24A-984E-49E1-A489-BBAA7BA39510}" type="datetimeFigureOut">
               <a:rPr lang="hu-HU" smtClean="0"/>
-              <a:t>2022.09.13.</a:t>
+              <a:t>2022.09.15.</a:t>
             </a:fld>
             <a:endParaRPr lang="hu-HU"/>
           </a:p>
@@ -1597,7 +1596,7 @@
           <a:p>
             <a:fld id="{EA04F24A-984E-49E1-A489-BBAA7BA39510}" type="datetimeFigureOut">
               <a:rPr lang="hu-HU" smtClean="0"/>
-              <a:t>2022.09.13.</a:t>
+              <a:t>2022.09.15.</a:t>
             </a:fld>
             <a:endParaRPr lang="hu-HU"/>
           </a:p>
@@ -1976,7 +1975,7 @@
           <a:p>
             <a:fld id="{EA04F24A-984E-49E1-A489-BBAA7BA39510}" type="datetimeFigureOut">
               <a:rPr lang="hu-HU" smtClean="0"/>
-              <a:t>2022.09.13.</a:t>
+              <a:t>2022.09.15.</a:t>
             </a:fld>
             <a:endParaRPr lang="hu-HU"/>
           </a:p>
@@ -2094,7 +2093,7 @@
           <a:p>
             <a:fld id="{EA04F24A-984E-49E1-A489-BBAA7BA39510}" type="datetimeFigureOut">
               <a:rPr lang="hu-HU" smtClean="0"/>
-              <a:t>2022.09.13.</a:t>
+              <a:t>2022.09.15.</a:t>
             </a:fld>
             <a:endParaRPr lang="hu-HU"/>
           </a:p>
@@ -2265,7 +2264,7 @@
           <a:p>
             <a:fld id="{EA04F24A-984E-49E1-A489-BBAA7BA39510}" type="datetimeFigureOut">
               <a:rPr lang="hu-HU" smtClean="0"/>
-              <a:t>2022.09.13.</a:t>
+              <a:t>2022.09.15.</a:t>
             </a:fld>
             <a:endParaRPr lang="hu-HU"/>
           </a:p>
@@ -2619,7 +2618,7 @@
           <a:p>
             <a:fld id="{EA04F24A-984E-49E1-A489-BBAA7BA39510}" type="datetimeFigureOut">
               <a:rPr lang="hu-HU" smtClean="0"/>
-              <a:t>2022.09.13.</a:t>
+              <a:t>2022.09.15.</a:t>
             </a:fld>
             <a:endParaRPr lang="hu-HU"/>
           </a:p>
@@ -3001,7 +3000,7 @@
           <a:p>
             <a:fld id="{EA04F24A-984E-49E1-A489-BBAA7BA39510}" type="datetimeFigureOut">
               <a:rPr lang="hu-HU" smtClean="0"/>
-              <a:t>2022.09.13.</a:t>
+              <a:t>2022.09.15.</a:t>
             </a:fld>
             <a:endParaRPr lang="hu-HU"/>
           </a:p>
@@ -3288,7 +3287,7 @@
           <a:p>
             <a:fld id="{EA04F24A-984E-49E1-A489-BBAA7BA39510}" type="datetimeFigureOut">
               <a:rPr lang="hu-HU" smtClean="0"/>
-              <a:t>2022.09.13.</a:t>
+              <a:t>2022.09.15.</a:t>
             </a:fld>
             <a:endParaRPr lang="hu-HU"/>
           </a:p>
@@ -3967,74 +3966,6 @@
       </p:grpSpPr>
       <p:sp>
         <p:nvSpPr>
-          <p:cNvPr id="2" name="Cím 1"/>
-          <p:cNvSpPr>
-            <a:spLocks noGrp="1"/>
-          </p:cNvSpPr>
-          <p:nvPr>
-            <p:ph type="title"/>
-          </p:nvPr>
-        </p:nvSpPr>
-        <p:spPr/>
-        <p:txBody>
-          <a:bodyPr/>
-          <a:lstStyle/>
-          <a:p>
-            <a:endParaRPr lang="hu-HU"/>
-          </a:p>
-        </p:txBody>
-      </p:sp>
-      <p:sp>
-        <p:nvSpPr>
-          <p:cNvPr id="3" name="Tartalom helye 2"/>
-          <p:cNvSpPr>
-            <a:spLocks noGrp="1"/>
-          </p:cNvSpPr>
-          <p:nvPr>
-            <p:ph idx="1"/>
-          </p:nvPr>
-        </p:nvSpPr>
-        <p:spPr/>
-        <p:txBody>
-          <a:bodyPr/>
-          <a:lstStyle/>
-          <a:p>
-            <a:endParaRPr lang="hu-HU"/>
-          </a:p>
-        </p:txBody>
-      </p:sp>
-    </p:spTree>
-    <p:extLst>
-      <p:ext uri="{BB962C8B-B14F-4D97-AF65-F5344CB8AC3E}">
-        <p14:creationId xmlns:p14="http://schemas.microsoft.com/office/powerpoint/2010/main" val="3982368116"/>
-      </p:ext>
-    </p:extLst>
-  </p:cSld>
-  <p:clrMapOvr>
-    <a:masterClrMapping/>
-  </p:clrMapOvr>
-</p:sld>
-</file>
-
-<file path=ppt/slides/slide12.xml><?xml version="1.0" encoding="utf-8"?>
-<p:sld xmlns:a="http://schemas.openxmlformats.org/drawingml/2006/main" xmlns:r="http://schemas.openxmlformats.org/officeDocument/2006/relationships" xmlns:p="http://schemas.openxmlformats.org/presentationml/2006/main">
-  <p:cSld>
-    <p:spTree>
-      <p:nvGrpSpPr>
-        <p:cNvPr id="1" name=""/>
-        <p:cNvGrpSpPr/>
-        <p:nvPr/>
-      </p:nvGrpSpPr>
-      <p:grpSpPr>
-        <a:xfrm>
-          <a:off x="0" y="0"/>
-          <a:ext cx="0" cy="0"/>
-          <a:chOff x="0" y="0"/>
-          <a:chExt cx="0" cy="0"/>
-        </a:xfrm>
-      </p:grpSpPr>
-      <p:sp>
-        <p:nvSpPr>
           <p:cNvPr id="4" name="Cím 3"/>
           <p:cNvSpPr>
             <a:spLocks noGrp="1"/>
@@ -4050,7 +3981,11 @@
           <a:p>
             <a:r>
               <a:rPr lang="hu-HU" dirty="0" smtClean="0"/>
-              <a:t>Köszönöm a figyelmet</a:t>
+              <a:t>Köszönöm a </a:t>
+            </a:r>
+            <a:r>
+              <a:rPr lang="hu-HU" dirty="0" smtClean="0"/>
+              <a:t>figyelmet!</a:t>
             </a:r>
             <a:endParaRPr lang="hu-HU" dirty="0"/>
           </a:p>
@@ -4072,18 +4007,18 @@
           <a:lstStyle/>
           <a:p>
             <a:r>
-              <a:rPr lang="hu-HU" dirty="0" smtClean="0"/>
+              <a:rPr lang="hu-HU" b="1" dirty="0" smtClean="0"/>
               <a:t>Készítette: </a:t>
             </a:r>
             <a:r>
-              <a:rPr lang="hu-HU" dirty="0" err="1" smtClean="0"/>
+              <a:rPr lang="hu-HU" b="1" dirty="0" err="1" smtClean="0"/>
               <a:t>Mojzes</a:t>
             </a:r>
             <a:r>
-              <a:rPr lang="hu-HU" dirty="0" smtClean="0"/>
+              <a:rPr lang="hu-HU" b="1" dirty="0" smtClean="0"/>
               <a:t> Ervin</a:t>
             </a:r>
-            <a:endParaRPr lang="hu-HU" dirty="0"/>
+            <a:endParaRPr lang="hu-HU" b="1" dirty="0"/>
           </a:p>
         </p:txBody>
       </p:sp>
@@ -4432,6 +4367,36 @@
           </a:p>
         </p:txBody>
       </p:sp>
+      <p:pic>
+        <p:nvPicPr>
+          <p:cNvPr id="4" name="Kép 3"/>
+          <p:cNvPicPr>
+            <a:picLocks noChangeAspect="1"/>
+          </p:cNvPicPr>
+          <p:nvPr/>
+        </p:nvPicPr>
+        <p:blipFill>
+          <a:blip r:embed="rId2" cstate="print">
+            <a:extLst>
+              <a:ext uri="{28A0092B-C50C-407E-A947-70E740481C1C}">
+                <a14:useLocalDpi xmlns:a14="http://schemas.microsoft.com/office/drawing/2010/main" val="0"/>
+              </a:ext>
+            </a:extLst>
+          </a:blip>
+          <a:stretch>
+            <a:fillRect/>
+          </a:stretch>
+        </p:blipFill>
+        <p:spPr>
+          <a:xfrm>
+            <a:off x="9154717" y="2082800"/>
+            <a:ext cx="2000963" cy="2730500"/>
+          </a:xfrm>
+          <a:prstGeom prst="rect">
+            <a:avLst/>
+          </a:prstGeom>
+        </p:spPr>
+      </p:pic>
     </p:spTree>
     <p:extLst>
       <p:ext uri="{BB962C8B-B14F-4D97-AF65-F5344CB8AC3E}">
@@ -4639,7 +4604,12 @@
             <p:ph idx="1"/>
           </p:nvPr>
         </p:nvSpPr>
-        <p:spPr/>
+        <p:spPr>
+          <a:xfrm>
+            <a:off x="1097280" y="1737360"/>
+            <a:ext cx="10058400" cy="4023360"/>
+          </a:xfrm>
+        </p:spPr>
         <p:txBody>
           <a:bodyPr>
             <a:normAutofit/>
@@ -4651,12 +4621,12 @@
               <a:t>Apple operációs rendszerének alapötletét felhasználva </a:t>
             </a:r>
             <a:r>
-              <a:rPr lang="hu-HU" sz="2400" dirty="0" err="1" smtClean="0"/>
-              <a:t>fejlesztték</a:t>
-            </a:r>
-            <a:r>
               <a:rPr lang="hu-HU" sz="2400" dirty="0" smtClean="0"/>
-              <a:t> ki</a:t>
+              <a:t>fejlesztették </a:t>
+            </a:r>
+            <a:r>
+              <a:rPr lang="hu-HU" sz="2400" dirty="0" smtClean="0"/>
+              <a:t>ki</a:t>
             </a:r>
           </a:p>
           <a:p>
@@ -4674,6 +4644,36 @@
           </a:p>
         </p:txBody>
       </p:sp>
+      <p:pic>
+        <p:nvPicPr>
+          <p:cNvPr id="4" name="Kép 3"/>
+          <p:cNvPicPr>
+            <a:picLocks noChangeAspect="1"/>
+          </p:cNvPicPr>
+          <p:nvPr/>
+        </p:nvPicPr>
+        <p:blipFill>
+          <a:blip r:embed="rId2">
+            <a:extLst>
+              <a:ext uri="{28A0092B-C50C-407E-A947-70E740481C1C}">
+                <a14:useLocalDpi xmlns:a14="http://schemas.microsoft.com/office/drawing/2010/main" val="0"/>
+              </a:ext>
+            </a:extLst>
+          </a:blip>
+          <a:stretch>
+            <a:fillRect/>
+          </a:stretch>
+        </p:blipFill>
+        <p:spPr>
+          <a:xfrm>
+            <a:off x="2590800" y="3331845"/>
+            <a:ext cx="6096000" cy="2428875"/>
+          </a:xfrm>
+          <a:prstGeom prst="rect">
+            <a:avLst/>
+          </a:prstGeom>
+        </p:spPr>
+      </p:pic>
     </p:spTree>
     <p:extLst>
       <p:ext uri="{BB962C8B-B14F-4D97-AF65-F5344CB8AC3E}">
@@ -4719,7 +4719,11 @@
           <a:bodyPr/>
           <a:lstStyle/>
           <a:p>
-            <a:endParaRPr lang="hu-HU"/>
+            <a:r>
+              <a:rPr lang="hu-HU" dirty="0" smtClean="0"/>
+              <a:t>Windows XP</a:t>
+            </a:r>
+            <a:endParaRPr lang="hu-HU" dirty="0"/>
           </a:p>
         </p:txBody>
       </p:sp>
@@ -4738,10 +4742,76 @@
           <a:bodyPr/>
           <a:lstStyle/>
           <a:p>
-            <a:endParaRPr lang="hu-HU"/>
-          </a:p>
-        </p:txBody>
-      </p:sp>
+            <a:r>
+              <a:rPr lang="hu-HU" dirty="0" smtClean="0"/>
+              <a:t>A név eredete: az </a:t>
+            </a:r>
+            <a:r>
+              <a:rPr lang="hu-HU" dirty="0" err="1" smtClean="0"/>
+              <a:t>experience</a:t>
+            </a:r>
+            <a:r>
+              <a:rPr lang="hu-HU" dirty="0" smtClean="0"/>
+              <a:t> szóból ered</a:t>
+            </a:r>
+          </a:p>
+          <a:p>
+            <a:r>
+              <a:rPr lang="hu-HU" dirty="0" smtClean="0"/>
+              <a:t>2001-ben adták ki</a:t>
+            </a:r>
+          </a:p>
+          <a:p>
+            <a:r>
+              <a:rPr lang="hu-HU" dirty="0" smtClean="0"/>
+              <a:t>Megjelent  64 bites verziója is</a:t>
+            </a:r>
+          </a:p>
+          <a:p>
+            <a:r>
+              <a:rPr lang="hu-HU" dirty="0" smtClean="0"/>
+              <a:t>14 éven keresztül érkezett rá terméktámogatás</a:t>
+            </a:r>
+          </a:p>
+          <a:p>
+            <a:r>
+              <a:rPr lang="hu-HU" dirty="0" smtClean="0"/>
+              <a:t>A Microsoft legsikeresebb operációs rendszerének is tekinthető</a:t>
+            </a:r>
+            <a:endParaRPr lang="hu-HU" dirty="0"/>
+          </a:p>
+        </p:txBody>
+      </p:sp>
+      <p:pic>
+        <p:nvPicPr>
+          <p:cNvPr id="4" name="Kép 3"/>
+          <p:cNvPicPr>
+            <a:picLocks noChangeAspect="1"/>
+          </p:cNvPicPr>
+          <p:nvPr/>
+        </p:nvPicPr>
+        <p:blipFill>
+          <a:blip r:embed="rId2" cstate="print">
+            <a:extLst>
+              <a:ext uri="{28A0092B-C50C-407E-A947-70E740481C1C}">
+                <a14:useLocalDpi xmlns:a14="http://schemas.microsoft.com/office/drawing/2010/main" val="0"/>
+              </a:ext>
+            </a:extLst>
+          </a:blip>
+          <a:stretch>
+            <a:fillRect/>
+          </a:stretch>
+        </p:blipFill>
+        <p:spPr>
+          <a:xfrm>
+            <a:off x="7528757" y="2968281"/>
+            <a:ext cx="3626923" cy="2900813"/>
+          </a:xfrm>
+          <a:prstGeom prst="rect">
+            <a:avLst/>
+          </a:prstGeom>
+        </p:spPr>
+      </p:pic>
     </p:spTree>
     <p:extLst>
       <p:ext uri="{BB962C8B-B14F-4D97-AF65-F5344CB8AC3E}">
@@ -4752,6 +4822,13 @@
   <p:clrMapOvr>
     <a:masterClrMapping/>
   </p:clrMapOvr>
+  <p:timing>
+    <p:tnLst>
+      <p:par>
+        <p:cTn id="1" dur="indefinite" restart="never" nodeType="tmRoot"/>
+      </p:par>
+    </p:tnLst>
+  </p:timing>
 </p:sld>
 </file>
 
@@ -4787,7 +4864,11 @@
           <a:bodyPr/>
           <a:lstStyle/>
           <a:p>
-            <a:endParaRPr lang="hu-HU"/>
+            <a:r>
+              <a:rPr lang="hu-HU" dirty="0" smtClean="0"/>
+              <a:t>Windows 7</a:t>
+            </a:r>
+            <a:endParaRPr lang="hu-HU" dirty="0"/>
           </a:p>
         </p:txBody>
       </p:sp>
@@ -4806,7 +4887,63 @@
           <a:bodyPr/>
           <a:lstStyle/>
           <a:p>
-            <a:endParaRPr lang="hu-HU"/>
+            <a:r>
+              <a:rPr lang="hu-HU" dirty="0" smtClean="0"/>
+              <a:t>2009-ben adták ki</a:t>
+            </a:r>
+          </a:p>
+          <a:p>
+            <a:r>
+              <a:rPr lang="hu-HU" dirty="0"/>
+              <a:t>E</a:t>
+            </a:r>
+            <a:r>
+              <a:rPr lang="hu-HU" dirty="0" smtClean="0"/>
+              <a:t>z volt az első teljesen magyar nyelvű </a:t>
+            </a:r>
+            <a:r>
+              <a:rPr lang="hu-HU" dirty="0" err="1" smtClean="0"/>
+              <a:t>windows</a:t>
+            </a:r>
+            <a:r>
+              <a:rPr lang="hu-HU" dirty="0" smtClean="0"/>
+              <a:t> operációs rendszer</a:t>
+            </a:r>
+          </a:p>
+          <a:p>
+            <a:r>
+              <a:rPr lang="hu-HU" dirty="0" smtClean="0"/>
+              <a:t>Új GUI-</a:t>
+            </a:r>
+            <a:r>
+              <a:rPr lang="hu-HU" dirty="0" err="1" smtClean="0"/>
+              <a:t>val</a:t>
+            </a:r>
+            <a:r>
+              <a:rPr lang="hu-HU" dirty="0" smtClean="0"/>
+              <a:t> </a:t>
+            </a:r>
+            <a:r>
+              <a:rPr lang="hu-HU" dirty="0" smtClean="0"/>
+              <a:t>rendelkezett</a:t>
+            </a:r>
+          </a:p>
+          <a:p>
+            <a:r>
+              <a:rPr lang="hu-HU" dirty="0" smtClean="0"/>
+              <a:t>Több ismert cég szerint csak egy álruhába öltöztetett</a:t>
+            </a:r>
+            <a:r>
+              <a:rPr lang="hu-HU" dirty="0"/>
+              <a:t> </a:t>
+            </a:r>
+            <a:r>
+              <a:rPr lang="hu-HU" dirty="0" smtClean="0"/>
+              <a:t>Vista</a:t>
+            </a:r>
+          </a:p>
+          <a:p>
+            <a:endParaRPr lang="hu-HU" dirty="0" smtClean="0"/>
           </a:p>
         </p:txBody>
       </p:sp>
@@ -4820,6 +4957,13 @@
   <p:clrMapOvr>
     <a:masterClrMapping/>
   </p:clrMapOvr>
+  <p:timing>
+    <p:tnLst>
+      <p:par>
+        <p:cTn id="1" dur="indefinite" restart="never" nodeType="tmRoot"/>
+      </p:par>
+    </p:tnLst>
+  </p:timing>
 </p:sld>
 </file>
 
@@ -4888,6 +5032,13 @@
   <p:clrMapOvr>
     <a:masterClrMapping/>
   </p:clrMapOvr>
+  <p:timing>
+    <p:tnLst>
+      <p:par>
+        <p:cTn id="1" dur="indefinite" restart="never" nodeType="tmRoot"/>
+      </p:par>
+    </p:tnLst>
+  </p:timing>
 </p:sld>
 </file>
 
